--- a/瑞闽0118/瑞闽ppt/瑞闽汇报ppt0118.pptx
+++ b/瑞闽0118/瑞闽ppt/瑞闽汇报ppt0118.pptx
@@ -5,7 +5,7 @@
     <p:sldMasterId id="2147483648" r:id="rId1"/>
   </p:sldMasterIdLst>
   <p:notesMasterIdLst>
-    <p:notesMasterId r:id="rId24"/>
+    <p:notesMasterId r:id="rId25"/>
   </p:notesMasterIdLst>
   <p:sldIdLst>
     <p:sldId id="466" r:id="rId2"/>
@@ -27,9 +27,10 @@
     <p:sldId id="581" r:id="rId18"/>
     <p:sldId id="577" r:id="rId19"/>
     <p:sldId id="582" r:id="rId20"/>
-    <p:sldId id="585" r:id="rId21"/>
-    <p:sldId id="586" r:id="rId22"/>
-    <p:sldId id="469" r:id="rId23"/>
+    <p:sldId id="587" r:id="rId21"/>
+    <p:sldId id="585" r:id="rId22"/>
+    <p:sldId id="586" r:id="rId23"/>
+    <p:sldId id="469" r:id="rId24"/>
   </p:sldIdLst>
   <p:sldSz cx="12192000" cy="6858000"/>
   <p:notesSz cx="6858000" cy="9144000"/>
@@ -3467,7 +3468,7 @@
     </p:spTree>
     <p:extLst>
       <p:ext uri="{BB962C8B-B14F-4D97-AF65-F5344CB8AC3E}">
-        <p14:creationId xmlns:p14="http://schemas.microsoft.com/office/powerpoint/2010/main" val="2729812230"/>
+        <p14:creationId xmlns:p14="http://schemas.microsoft.com/office/powerpoint/2010/main" val="1082374262"/>
       </p:ext>
     </p:extLst>
   </p:cSld>
@@ -3762,6 +3763,301 @@
     </p:spTree>
     <p:extLst>
       <p:ext uri="{BB962C8B-B14F-4D97-AF65-F5344CB8AC3E}">
+        <p14:creationId xmlns:p14="http://schemas.microsoft.com/office/powerpoint/2010/main" val="2729812230"/>
+      </p:ext>
+    </p:extLst>
+  </p:cSld>
+  <p:clrMapOvr>
+    <a:masterClrMapping/>
+  </p:clrMapOvr>
+</p:notes>
+</file>
+
+<file path=ppt/notesSlides/notesSlide22.xml><?xml version="1.0" encoding="utf-8"?>
+<p:notes xmlns:a="http://schemas.openxmlformats.org/drawingml/2006/main" xmlns:r="http://schemas.openxmlformats.org/officeDocument/2006/relationships" xmlns:p="http://schemas.openxmlformats.org/presentationml/2006/main">
+  <p:cSld>
+    <p:spTree>
+      <p:nvGrpSpPr>
+        <p:cNvPr id="1" name=""/>
+        <p:cNvGrpSpPr/>
+        <p:nvPr/>
+      </p:nvGrpSpPr>
+      <p:grpSpPr>
+        <a:xfrm>
+          <a:off x="0" y="0"/>
+          <a:ext cx="0" cy="0"/>
+          <a:chOff x="0" y="0"/>
+          <a:chExt cx="0" cy="0"/>
+        </a:xfrm>
+      </p:grpSpPr>
+      <p:sp>
+        <p:nvSpPr>
+          <p:cNvPr id="2" name="幻灯片图像占位符 1"/>
+          <p:cNvSpPr>
+            <a:spLocks noGrp="1" noRot="1" noChangeAspect="1"/>
+          </p:cNvSpPr>
+          <p:nvPr>
+            <p:ph type="sldImg"/>
+          </p:nvPr>
+        </p:nvSpPr>
+        <p:spPr/>
+      </p:sp>
+      <p:sp>
+        <p:nvSpPr>
+          <p:cNvPr id="3" name="备注占位符 2"/>
+          <p:cNvSpPr>
+            <a:spLocks noGrp="1"/>
+          </p:cNvSpPr>
+          <p:nvPr>
+            <p:ph type="body" idx="1"/>
+          </p:nvPr>
+        </p:nvSpPr>
+        <p:spPr/>
+        <p:txBody>
+          <a:bodyPr/>
+          <a:lstStyle/>
+          <a:p>
+            <a:pPr marL="0" marR="0" lvl="0" indent="0" algn="l" defTabSz="914400" rtl="0" eaLnBrk="1" fontAlgn="auto" latinLnBrk="0" hangingPunct="1">
+              <a:lnSpc>
+                <a:spcPct val="100000"/>
+              </a:lnSpc>
+              <a:spcBef>
+                <a:spcPts val="0"/>
+              </a:spcBef>
+              <a:spcAft>
+                <a:spcPts val="0"/>
+              </a:spcAft>
+              <a:buClrTx/>
+              <a:buSzTx/>
+              <a:buFontTx/>
+              <a:buNone/>
+              <a:tabLst/>
+              <a:defRPr/>
+            </a:pPr>
+            <a:r>
+              <a:rPr lang="zh-CN" altLang="en-US" sz="1200" dirty="0" smtClean="0">
+                <a:latin typeface="微软雅黑" panose="020B0503020204020204" pitchFamily="34" charset="-122"/>
+                <a:ea typeface="微软雅黑" panose="020B0503020204020204" pitchFamily="34" charset="-122"/>
+              </a:rPr>
+              <a:t>本课题的目标是利用大数据技术解决青特钢几方面的具体需求，并建立大数据智能决策平台。</a:t>
+            </a:r>
+            <a:endParaRPr lang="en-US" altLang="zh-CN" sz="1200" dirty="0" smtClean="0">
+              <a:latin typeface="微软雅黑" panose="020B0503020204020204" pitchFamily="34" charset="-122"/>
+              <a:ea typeface="微软雅黑" panose="020B0503020204020204" pitchFamily="34" charset="-122"/>
+            </a:endParaRPr>
+          </a:p>
+          <a:p>
+            <a:pPr marL="0" marR="0" lvl="0" indent="0" algn="l" defTabSz="914400" rtl="0" eaLnBrk="1" fontAlgn="auto" latinLnBrk="0" hangingPunct="1">
+              <a:lnSpc>
+                <a:spcPct val="100000"/>
+              </a:lnSpc>
+              <a:spcBef>
+                <a:spcPts val="0"/>
+              </a:spcBef>
+              <a:spcAft>
+                <a:spcPts val="0"/>
+              </a:spcAft>
+              <a:buClrTx/>
+              <a:buSzTx/>
+              <a:buFontTx/>
+              <a:buNone/>
+              <a:tabLst/>
+              <a:defRPr/>
+            </a:pPr>
+            <a:endParaRPr lang="en-US" altLang="zh-CN" sz="1200" dirty="0" smtClean="0">
+              <a:latin typeface="微软雅黑" panose="020B0503020204020204" pitchFamily="34" charset="-122"/>
+              <a:ea typeface="微软雅黑" panose="020B0503020204020204" pitchFamily="34" charset="-122"/>
+            </a:endParaRPr>
+          </a:p>
+          <a:p>
+            <a:pPr marL="0" marR="0" lvl="0" indent="0" algn="l" defTabSz="914400" rtl="0" eaLnBrk="1" fontAlgn="auto" latinLnBrk="0" hangingPunct="1">
+              <a:lnSpc>
+                <a:spcPct val="100000"/>
+              </a:lnSpc>
+              <a:spcBef>
+                <a:spcPts val="0"/>
+              </a:spcBef>
+              <a:spcAft>
+                <a:spcPts val="0"/>
+              </a:spcAft>
+              <a:buClrTx/>
+              <a:buSzTx/>
+              <a:buFontTx/>
+              <a:buNone/>
+              <a:tabLst/>
+              <a:defRPr/>
+            </a:pPr>
+            <a:r>
+              <a:rPr lang="zh-CN" altLang="en-US" sz="1200" dirty="0" smtClean="0">
+                <a:solidFill>
+                  <a:srgbClr val="FF0000"/>
+                </a:solidFill>
+                <a:latin typeface="微软雅黑" panose="020B0503020204020204" pitchFamily="34" charset="-122"/>
+                <a:ea typeface="微软雅黑" panose="020B0503020204020204" pitchFamily="34" charset="-122"/>
+              </a:rPr>
+              <a:t>面向该目标，拆分为三个层次的研究内容，分别是：</a:t>
+            </a:r>
+            <a:endParaRPr lang="en-US" altLang="zh-CN" sz="1200" dirty="0" smtClean="0">
+              <a:solidFill>
+                <a:srgbClr val="FF0000"/>
+              </a:solidFill>
+              <a:latin typeface="微软雅黑" panose="020B0503020204020204" pitchFamily="34" charset="-122"/>
+              <a:ea typeface="微软雅黑" panose="020B0503020204020204" pitchFamily="34" charset="-122"/>
+            </a:endParaRPr>
+          </a:p>
+          <a:p>
+            <a:pPr marL="0" marR="0" lvl="0" indent="0" algn="l" defTabSz="914400" rtl="0" eaLnBrk="1" fontAlgn="auto" latinLnBrk="0" hangingPunct="1">
+              <a:lnSpc>
+                <a:spcPct val="100000"/>
+              </a:lnSpc>
+              <a:spcBef>
+                <a:spcPts val="0"/>
+              </a:spcBef>
+              <a:spcAft>
+                <a:spcPts val="0"/>
+              </a:spcAft>
+              <a:buClrTx/>
+              <a:buSzTx/>
+              <a:buFontTx/>
+              <a:buNone/>
+              <a:tabLst/>
+              <a:defRPr/>
+            </a:pPr>
+            <a:r>
+              <a:rPr lang="zh-CN" altLang="en-US" sz="1200" dirty="0" smtClean="0">
+                <a:solidFill>
+                  <a:srgbClr val="FF0000"/>
+                </a:solidFill>
+                <a:latin typeface="微软雅黑" panose="020B0503020204020204" pitchFamily="34" charset="-122"/>
+                <a:ea typeface="微软雅黑" panose="020B0503020204020204" pitchFamily="34" charset="-122"/>
+              </a:rPr>
+              <a:t>数据层面，包括内部数据的迁移和外部数据的获取；</a:t>
+            </a:r>
+            <a:endParaRPr lang="en-US" altLang="zh-CN" sz="1200" dirty="0" smtClean="0">
+              <a:solidFill>
+                <a:srgbClr val="FF0000"/>
+              </a:solidFill>
+              <a:latin typeface="微软雅黑" panose="020B0503020204020204" pitchFamily="34" charset="-122"/>
+              <a:ea typeface="微软雅黑" panose="020B0503020204020204" pitchFamily="34" charset="-122"/>
+            </a:endParaRPr>
+          </a:p>
+          <a:p>
+            <a:pPr marL="0" marR="0" lvl="0" indent="0" algn="l" defTabSz="914400" rtl="0" eaLnBrk="1" fontAlgn="auto" latinLnBrk="0" hangingPunct="1">
+              <a:lnSpc>
+                <a:spcPct val="100000"/>
+              </a:lnSpc>
+              <a:spcBef>
+                <a:spcPts val="0"/>
+              </a:spcBef>
+              <a:spcAft>
+                <a:spcPts val="0"/>
+              </a:spcAft>
+              <a:buClrTx/>
+              <a:buSzTx/>
+              <a:buFontTx/>
+              <a:buNone/>
+              <a:tabLst/>
+              <a:defRPr/>
+            </a:pPr>
+            <a:r>
+              <a:rPr lang="zh-CN" altLang="en-US" sz="1200" dirty="0" smtClean="0">
+                <a:solidFill>
+                  <a:srgbClr val="FF0000"/>
+                </a:solidFill>
+                <a:latin typeface="微软雅黑" panose="020B0503020204020204" pitchFamily="34" charset="-122"/>
+                <a:ea typeface="微软雅黑" panose="020B0503020204020204" pitchFamily="34" charset="-122"/>
+              </a:rPr>
+              <a:t>技术及方法开发层面，主要面向四个主题，分别是价格预测、销售分析、成分分析和质量分析</a:t>
+            </a:r>
+            <a:endParaRPr lang="en-US" altLang="zh-CN" sz="1200" dirty="0" smtClean="0">
+              <a:solidFill>
+                <a:srgbClr val="FF0000"/>
+              </a:solidFill>
+              <a:latin typeface="微软雅黑" panose="020B0503020204020204" pitchFamily="34" charset="-122"/>
+              <a:ea typeface="微软雅黑" panose="020B0503020204020204" pitchFamily="34" charset="-122"/>
+            </a:endParaRPr>
+          </a:p>
+          <a:p>
+            <a:pPr marL="0" marR="0" lvl="0" indent="0" algn="l" defTabSz="914400" rtl="0" eaLnBrk="1" fontAlgn="auto" latinLnBrk="0" hangingPunct="1">
+              <a:lnSpc>
+                <a:spcPct val="100000"/>
+              </a:lnSpc>
+              <a:spcBef>
+                <a:spcPts val="0"/>
+              </a:spcBef>
+              <a:spcAft>
+                <a:spcPts val="0"/>
+              </a:spcAft>
+              <a:buClrTx/>
+              <a:buSzTx/>
+              <a:buFontTx/>
+              <a:buNone/>
+              <a:tabLst/>
+              <a:defRPr/>
+            </a:pPr>
+            <a:r>
+              <a:rPr lang="zh-CN" altLang="en-US" sz="1200" dirty="0" smtClean="0">
+                <a:solidFill>
+                  <a:srgbClr val="FF0000"/>
+                </a:solidFill>
+                <a:latin typeface="微软雅黑" panose="020B0503020204020204" pitchFamily="34" charset="-122"/>
+                <a:ea typeface="微软雅黑" panose="020B0503020204020204" pitchFamily="34" charset="-122"/>
+              </a:rPr>
+              <a:t>系统集成层面，最终建立基于</a:t>
+            </a:r>
+            <a:r>
+              <a:rPr lang="en-US" altLang="zh-CN" sz="1200" dirty="0" smtClean="0">
+                <a:solidFill>
+                  <a:srgbClr val="FF0000"/>
+                </a:solidFill>
+                <a:latin typeface="微软雅黑" panose="020B0503020204020204" pitchFamily="34" charset="-122"/>
+                <a:ea typeface="微软雅黑" panose="020B0503020204020204" pitchFamily="34" charset="-122"/>
+              </a:rPr>
+              <a:t>spark</a:t>
+            </a:r>
+            <a:r>
+              <a:rPr lang="zh-CN" altLang="en-US" sz="1200" dirty="0" smtClean="0">
+                <a:solidFill>
+                  <a:srgbClr val="FF0000"/>
+                </a:solidFill>
+                <a:latin typeface="微软雅黑" panose="020B0503020204020204" pitchFamily="34" charset="-122"/>
+                <a:ea typeface="微软雅黑" panose="020B0503020204020204" pitchFamily="34" charset="-122"/>
+              </a:rPr>
+              <a:t>的大数据智能决策平台。</a:t>
+            </a:r>
+          </a:p>
+          <a:p>
+            <a:endParaRPr lang="zh-CN" altLang="en-US" dirty="0"/>
+          </a:p>
+        </p:txBody>
+      </p:sp>
+      <p:sp>
+        <p:nvSpPr>
+          <p:cNvPr id="4" name="灯片编号占位符 3"/>
+          <p:cNvSpPr>
+            <a:spLocks noGrp="1"/>
+          </p:cNvSpPr>
+          <p:nvPr>
+            <p:ph type="sldNum" sz="quarter" idx="10"/>
+          </p:nvPr>
+        </p:nvSpPr>
+        <p:spPr/>
+        <p:txBody>
+          <a:bodyPr/>
+          <a:lstStyle/>
+          <a:p>
+            <a:fld id="{7F618D6B-2817-409A-B344-730C9C625005}" type="slidenum">
+              <a:rPr lang="zh-CN" altLang="en-US" smtClean="0"/>
+              <a:pPr/>
+              <a:t>22</a:t>
+            </a:fld>
+            <a:endParaRPr lang="zh-CN" altLang="en-US"/>
+          </a:p>
+        </p:txBody>
+      </p:sp>
+    </p:spTree>
+    <p:extLst>
+      <p:ext uri="{BB962C8B-B14F-4D97-AF65-F5344CB8AC3E}">
         <p14:creationId xmlns:p14="http://schemas.microsoft.com/office/powerpoint/2010/main" val="1549555083"/>
       </p:ext>
     </p:extLst>
@@ -3772,7 +4068,7 @@
 </p:notes>
 </file>
 
-<file path=ppt/notesSlides/notesSlide22.xml><?xml version="1.0" encoding="utf-8"?>
+<file path=ppt/notesSlides/notesSlide23.xml><?xml version="1.0" encoding="utf-8"?>
 <p:notes xmlns:a="http://schemas.openxmlformats.org/drawingml/2006/main" xmlns:r="http://schemas.openxmlformats.org/officeDocument/2006/relationships" xmlns:p="http://schemas.openxmlformats.org/presentationml/2006/main">
   <p:cSld>
     <p:spTree>
@@ -3842,7 +4138,7 @@
             <a:fld id="{7F618D6B-2817-409A-B344-730C9C625005}" type="slidenum">
               <a:rPr lang="zh-CN" altLang="en-US" smtClean="0"/>
               <a:pPr/>
-              <a:t>22</a:t>
+              <a:t>23</a:t>
             </a:fld>
             <a:endParaRPr lang="zh-CN" altLang="en-US"/>
           </a:p>
@@ -36788,6 +37084,612 @@
 <file path=ppt/slides/slide20.xml><?xml version="1.0" encoding="utf-8"?>
 <p:sld xmlns:a="http://schemas.openxmlformats.org/drawingml/2006/main" xmlns:r="http://schemas.openxmlformats.org/officeDocument/2006/relationships" xmlns:p="http://schemas.openxmlformats.org/presentationml/2006/main">
   <p:cSld>
+    <p:spTree>
+      <p:nvGrpSpPr>
+        <p:cNvPr id="1" name=""/>
+        <p:cNvGrpSpPr/>
+        <p:nvPr/>
+      </p:nvGrpSpPr>
+      <p:grpSpPr>
+        <a:xfrm>
+          <a:off x="0" y="0"/>
+          <a:ext cx="0" cy="0"/>
+          <a:chOff x="0" y="0"/>
+          <a:chExt cx="0" cy="0"/>
+        </a:xfrm>
+      </p:grpSpPr>
+      <p:sp>
+        <p:nvSpPr>
+          <p:cNvPr id="12" name="矩形 11" hidden="1"/>
+          <p:cNvSpPr/>
+          <p:nvPr/>
+        </p:nvSpPr>
+        <p:spPr>
+          <a:xfrm>
+            <a:off x="0" y="485174"/>
+            <a:ext cx="182880" cy="520666"/>
+          </a:xfrm>
+          <a:prstGeom prst="rect">
+            <a:avLst/>
+          </a:prstGeom>
+          <a:solidFill>
+            <a:srgbClr val="0070C0"/>
+          </a:solidFill>
+          <a:ln>
+            <a:noFill/>
+          </a:ln>
+        </p:spPr>
+        <p:style>
+          <a:lnRef idx="2">
+            <a:schemeClr val="accent1">
+              <a:shade val="50000"/>
+            </a:schemeClr>
+          </a:lnRef>
+          <a:fillRef idx="1">
+            <a:schemeClr val="accent1"/>
+          </a:fillRef>
+          <a:effectRef idx="0">
+            <a:schemeClr val="accent1"/>
+          </a:effectRef>
+          <a:fontRef idx="minor">
+            <a:schemeClr val="lt1"/>
+          </a:fontRef>
+        </p:style>
+        <p:txBody>
+          <a:bodyPr rtlCol="0" anchor="ctr"/>
+          <a:lstStyle/>
+          <a:p>
+            <a:pPr algn="ctr"/>
+            <a:endParaRPr lang="zh-CN" altLang="en-US"/>
+          </a:p>
+        </p:txBody>
+      </p:sp>
+      <p:sp>
+        <p:nvSpPr>
+          <p:cNvPr id="13" name="文本框 12"/>
+          <p:cNvSpPr txBox="1"/>
+          <p:nvPr/>
+        </p:nvSpPr>
+        <p:spPr>
+          <a:xfrm>
+            <a:off x="695324" y="318442"/>
+            <a:ext cx="4752975" cy="461665"/>
+          </a:xfrm>
+          <a:prstGeom prst="rect">
+            <a:avLst/>
+          </a:prstGeom>
+          <a:noFill/>
+        </p:spPr>
+        <p:txBody>
+          <a:bodyPr wrap="square" rtlCol="0">
+            <a:spAutoFit/>
+          </a:bodyPr>
+          <a:lstStyle/>
+          <a:p>
+            <a:r>
+              <a:rPr lang="zh-CN" altLang="en-US" sz="2400" b="1" dirty="0">
+                <a:solidFill>
+                  <a:schemeClr val="tx1">
+                    <a:lumMod val="95000"/>
+                    <a:lumOff val="5000"/>
+                  </a:schemeClr>
+                </a:solidFill>
+                <a:latin typeface="微软雅黑" panose="020B0503020204020204" pitchFamily="34" charset="-122"/>
+                <a:ea typeface="微软雅黑" panose="020B0503020204020204" pitchFamily="34" charset="-122"/>
+              </a:rPr>
+              <a:t>客户精益服务</a:t>
+            </a:r>
+          </a:p>
+        </p:txBody>
+      </p:sp>
+      <p:grpSp>
+        <p:nvGrpSpPr>
+          <p:cNvPr id="31" name="组合 30"/>
+          <p:cNvGrpSpPr/>
+          <p:nvPr/>
+        </p:nvGrpSpPr>
+        <p:grpSpPr>
+          <a:xfrm>
+            <a:off x="123780" y="359255"/>
+            <a:ext cx="445894" cy="351309"/>
+            <a:chOff x="123780" y="534395"/>
+            <a:chExt cx="445894" cy="351309"/>
+          </a:xfrm>
+        </p:grpSpPr>
+        <p:sp>
+          <p:nvSpPr>
+            <p:cNvPr id="32" name="等腰三角形 31"/>
+            <p:cNvSpPr/>
+            <p:nvPr/>
+          </p:nvSpPr>
+          <p:spPr>
+            <a:xfrm>
+              <a:off x="382996" y="534395"/>
+              <a:ext cx="186678" cy="160930"/>
+            </a:xfrm>
+            <a:prstGeom prst="triangle">
+              <a:avLst/>
+            </a:prstGeom>
+            <a:solidFill>
+              <a:schemeClr val="accent1">
+                <a:alpha val="75000"/>
+              </a:schemeClr>
+            </a:solidFill>
+            <a:ln>
+              <a:noFill/>
+            </a:ln>
+          </p:spPr>
+          <p:style>
+            <a:lnRef idx="2">
+              <a:schemeClr val="accent1">
+                <a:shade val="50000"/>
+              </a:schemeClr>
+            </a:lnRef>
+            <a:fillRef idx="1">
+              <a:schemeClr val="accent1"/>
+            </a:fillRef>
+            <a:effectRef idx="0">
+              <a:schemeClr val="accent1"/>
+            </a:effectRef>
+            <a:fontRef idx="minor">
+              <a:schemeClr val="lt1"/>
+            </a:fontRef>
+          </p:style>
+          <p:txBody>
+            <a:bodyPr rtlCol="0" anchor="ctr"/>
+            <a:lstStyle/>
+            <a:p>
+              <a:pPr algn="ctr"/>
+              <a:endParaRPr lang="zh-CN" altLang="en-US"/>
+            </a:p>
+          </p:txBody>
+        </p:sp>
+        <p:sp>
+          <p:nvSpPr>
+            <p:cNvPr id="33" name="等腰三角形 32"/>
+            <p:cNvSpPr/>
+            <p:nvPr/>
+          </p:nvSpPr>
+          <p:spPr>
+            <a:xfrm rot="1110499">
+              <a:off x="203197" y="561123"/>
+              <a:ext cx="309372" cy="272312"/>
+            </a:xfrm>
+            <a:prstGeom prst="triangle">
+              <a:avLst/>
+            </a:prstGeom>
+            <a:solidFill>
+              <a:schemeClr val="accent1"/>
+            </a:solidFill>
+            <a:ln>
+              <a:noFill/>
+            </a:ln>
+          </p:spPr>
+          <p:style>
+            <a:lnRef idx="2">
+              <a:schemeClr val="accent1">
+                <a:shade val="50000"/>
+              </a:schemeClr>
+            </a:lnRef>
+            <a:fillRef idx="1">
+              <a:schemeClr val="accent1"/>
+            </a:fillRef>
+            <a:effectRef idx="0">
+              <a:schemeClr val="accent1"/>
+            </a:effectRef>
+            <a:fontRef idx="minor">
+              <a:schemeClr val="lt1"/>
+            </a:fontRef>
+          </p:style>
+          <p:txBody>
+            <a:bodyPr rtlCol="0" anchor="ctr"/>
+            <a:lstStyle/>
+            <a:p>
+              <a:pPr algn="ctr"/>
+              <a:endParaRPr lang="zh-CN" altLang="en-US"/>
+            </a:p>
+          </p:txBody>
+        </p:sp>
+        <p:sp>
+          <p:nvSpPr>
+            <p:cNvPr id="34" name="等腰三角形 33"/>
+            <p:cNvSpPr/>
+            <p:nvPr/>
+          </p:nvSpPr>
+          <p:spPr>
+            <a:xfrm>
+              <a:off x="123780" y="809504"/>
+              <a:ext cx="88392" cy="76200"/>
+            </a:xfrm>
+            <a:prstGeom prst="triangle">
+              <a:avLst/>
+            </a:prstGeom>
+            <a:solidFill>
+              <a:schemeClr val="accent1">
+                <a:alpha val="47000"/>
+              </a:schemeClr>
+            </a:solidFill>
+            <a:ln>
+              <a:noFill/>
+            </a:ln>
+          </p:spPr>
+          <p:style>
+            <a:lnRef idx="2">
+              <a:schemeClr val="accent1">
+                <a:shade val="50000"/>
+              </a:schemeClr>
+            </a:lnRef>
+            <a:fillRef idx="1">
+              <a:schemeClr val="accent1"/>
+            </a:fillRef>
+            <a:effectRef idx="0">
+              <a:schemeClr val="accent1"/>
+            </a:effectRef>
+            <a:fontRef idx="minor">
+              <a:schemeClr val="lt1"/>
+            </a:fontRef>
+          </p:style>
+          <p:txBody>
+            <a:bodyPr rtlCol="0" anchor="ctr"/>
+            <a:lstStyle/>
+            <a:p>
+              <a:pPr algn="ctr"/>
+              <a:endParaRPr lang="zh-CN" altLang="en-US"/>
+            </a:p>
+          </p:txBody>
+        </p:sp>
+      </p:grpSp>
+      <p:cxnSp>
+        <p:nvCxnSpPr>
+          <p:cNvPr id="51" name="直接连接符 50"/>
+          <p:cNvCxnSpPr/>
+          <p:nvPr/>
+        </p:nvCxnSpPr>
+        <p:spPr>
+          <a:xfrm flipV="1">
+            <a:off x="-23755" y="759764"/>
+            <a:ext cx="12215755" cy="29567"/>
+          </a:xfrm>
+          <a:prstGeom prst="line">
+            <a:avLst/>
+          </a:prstGeom>
+          <a:ln w="25400">
+            <a:solidFill>
+              <a:srgbClr val="0070C0"/>
+            </a:solidFill>
+          </a:ln>
+        </p:spPr>
+        <p:style>
+          <a:lnRef idx="1">
+            <a:schemeClr val="accent1"/>
+          </a:lnRef>
+          <a:fillRef idx="0">
+            <a:schemeClr val="accent1"/>
+          </a:fillRef>
+          <a:effectRef idx="0">
+            <a:schemeClr val="accent1"/>
+          </a:effectRef>
+          <a:fontRef idx="minor">
+            <a:schemeClr val="tx1"/>
+          </a:fontRef>
+        </p:style>
+      </p:cxnSp>
+      <p:sp>
+        <p:nvSpPr>
+          <p:cNvPr id="3" name="文本框 2"/>
+          <p:cNvSpPr txBox="1"/>
+          <p:nvPr/>
+        </p:nvSpPr>
+        <p:spPr>
+          <a:xfrm>
+            <a:off x="3416300" y="1179301"/>
+            <a:ext cx="4902200" cy="369332"/>
+          </a:xfrm>
+          <a:prstGeom prst="rect">
+            <a:avLst/>
+          </a:prstGeom>
+          <a:noFill/>
+        </p:spPr>
+        <p:txBody>
+          <a:bodyPr wrap="square" rtlCol="0">
+            <a:spAutoFit/>
+          </a:bodyPr>
+          <a:lstStyle/>
+          <a:p>
+            <a:pPr algn="ctr"/>
+            <a:r>
+              <a:rPr lang="zh-CN" altLang="en-US" b="1" dirty="0" smtClean="0">
+                <a:latin typeface="微软雅黑" panose="020B0503020204020204" pitchFamily="34" charset="-122"/>
+                <a:ea typeface="微软雅黑" panose="020B0503020204020204" pitchFamily="34" charset="-122"/>
+              </a:rPr>
+              <a:t>可视化展示分析</a:t>
+            </a:r>
+            <a:endParaRPr lang="zh-CN" altLang="en-US" b="1" dirty="0">
+              <a:latin typeface="微软雅黑" panose="020B0503020204020204" pitchFamily="34" charset="-122"/>
+              <a:ea typeface="微软雅黑" panose="020B0503020204020204" pitchFamily="34" charset="-122"/>
+            </a:endParaRPr>
+          </a:p>
+        </p:txBody>
+      </p:sp>
+      <p:sp>
+        <p:nvSpPr>
+          <p:cNvPr id="4" name="文本框 3"/>
+          <p:cNvSpPr txBox="1"/>
+          <p:nvPr/>
+        </p:nvSpPr>
+        <p:spPr>
+          <a:xfrm>
+            <a:off x="2326934" y="5532056"/>
+            <a:ext cx="1719885" cy="369332"/>
+          </a:xfrm>
+          <a:prstGeom prst="rect">
+            <a:avLst/>
+          </a:prstGeom>
+          <a:noFill/>
+        </p:spPr>
+        <p:txBody>
+          <a:bodyPr wrap="square" rtlCol="0">
+            <a:spAutoFit/>
+          </a:bodyPr>
+          <a:lstStyle/>
+          <a:p>
+            <a:r>
+              <a:rPr lang="zh-CN" altLang="en-US" dirty="0">
+                <a:latin typeface="黑体" panose="02010609060101010101" pitchFamily="49" charset="-122"/>
+                <a:ea typeface="黑体" panose="02010609060101010101" pitchFamily="49" charset="-122"/>
+              </a:rPr>
+              <a:t>生产</a:t>
+            </a:r>
+            <a:r>
+              <a:rPr lang="zh-CN" altLang="en-US" dirty="0" smtClean="0">
+                <a:latin typeface="黑体" panose="02010609060101010101" pitchFamily="49" charset="-122"/>
+                <a:ea typeface="黑体" panose="02010609060101010101" pitchFamily="49" charset="-122"/>
+              </a:rPr>
+              <a:t>排程查询</a:t>
+            </a:r>
+            <a:endParaRPr lang="zh-CN" altLang="en-US" dirty="0">
+              <a:latin typeface="黑体" panose="02010609060101010101" pitchFamily="49" charset="-122"/>
+              <a:ea typeface="黑体" panose="02010609060101010101" pitchFamily="49" charset="-122"/>
+            </a:endParaRPr>
+          </a:p>
+        </p:txBody>
+      </p:sp>
+      <p:sp>
+        <p:nvSpPr>
+          <p:cNvPr id="5" name="Rectangle 2"/>
+          <p:cNvSpPr>
+            <a:spLocks noChangeArrowheads="1"/>
+          </p:cNvSpPr>
+          <p:nvPr/>
+        </p:nvSpPr>
+        <p:spPr bwMode="auto">
+          <a:xfrm>
+            <a:off x="0" y="0"/>
+            <a:ext cx="12192000" cy="0"/>
+          </a:xfrm>
+          <a:prstGeom prst="rect">
+            <a:avLst/>
+          </a:prstGeom>
+          <a:noFill/>
+          <a:ln>
+            <a:noFill/>
+          </a:ln>
+          <a:effectLst/>
+          <a:extLst>
+            <a:ext uri="{909E8E84-426E-40DD-AFC4-6F175D3DCCD1}">
+              <a14:hiddenFill xmlns:a14="http://schemas.microsoft.com/office/drawing/2010/main">
+                <a:solidFill>
+                  <a:schemeClr val="accent1"/>
+                </a:solidFill>
+              </a14:hiddenFill>
+            </a:ext>
+            <a:ext uri="{91240B29-F687-4F45-9708-019B960494DF}">
+              <a14:hiddenLine xmlns:a14="http://schemas.microsoft.com/office/drawing/2010/main" w="9525">
+                <a:solidFill>
+                  <a:schemeClr val="tx1"/>
+                </a:solidFill>
+                <a:miter lim="800000"/>
+                <a:headEnd/>
+                <a:tailEnd/>
+              </a14:hiddenLine>
+            </a:ext>
+            <a:ext uri="{AF507438-7753-43E0-B8FC-AC1667EBCBE1}">
+              <a14:hiddenEffects xmlns:a14="http://schemas.microsoft.com/office/drawing/2010/main">
+                <a:effectLst>
+                  <a:outerShdw dist="35921" dir="2700000" algn="ctr" rotWithShape="0">
+                    <a:schemeClr val="bg2"/>
+                  </a:outerShdw>
+                </a:effectLst>
+              </a14:hiddenEffects>
+            </a:ext>
+          </a:extLst>
+        </p:spPr>
+        <p:txBody>
+          <a:bodyPr vert="horz" wrap="none" lIns="91440" tIns="45720" rIns="91440" bIns="45720" numCol="1" anchor="ctr" anchorCtr="0" compatLnSpc="1">
+            <a:prstTxWarp prst="textNoShape">
+              <a:avLst/>
+            </a:prstTxWarp>
+            <a:spAutoFit/>
+          </a:bodyPr>
+          <a:lstStyle/>
+          <a:p>
+            <a:endParaRPr lang="zh-CN" altLang="en-US"/>
+          </a:p>
+        </p:txBody>
+      </p:sp>
+      <p:pic>
+        <p:nvPicPr>
+          <p:cNvPr id="7" name="图片 6"/>
+          <p:cNvPicPr>
+            <a:picLocks noChangeAspect="1"/>
+          </p:cNvPicPr>
+          <p:nvPr/>
+        </p:nvPicPr>
+        <p:blipFill>
+          <a:blip r:embed="rId3"/>
+          <a:stretch>
+            <a:fillRect/>
+          </a:stretch>
+        </p:blipFill>
+        <p:spPr>
+          <a:xfrm>
+            <a:off x="382996" y="1894168"/>
+            <a:ext cx="5607762" cy="3566757"/>
+          </a:xfrm>
+          <a:prstGeom prst="rect">
+            <a:avLst/>
+          </a:prstGeom>
+        </p:spPr>
+      </p:pic>
+      <p:sp>
+        <p:nvSpPr>
+          <p:cNvPr id="9" name="Rectangle 4"/>
+          <p:cNvSpPr>
+            <a:spLocks noChangeArrowheads="1"/>
+          </p:cNvSpPr>
+          <p:nvPr/>
+        </p:nvSpPr>
+        <p:spPr bwMode="auto">
+          <a:xfrm>
+            <a:off x="0" y="0"/>
+            <a:ext cx="12192000" cy="0"/>
+          </a:xfrm>
+          <a:prstGeom prst="rect">
+            <a:avLst/>
+          </a:prstGeom>
+          <a:noFill/>
+          <a:ln>
+            <a:noFill/>
+          </a:ln>
+          <a:effectLst/>
+          <a:extLst>
+            <a:ext uri="{909E8E84-426E-40DD-AFC4-6F175D3DCCD1}">
+              <a14:hiddenFill xmlns:a14="http://schemas.microsoft.com/office/drawing/2010/main">
+                <a:solidFill>
+                  <a:schemeClr val="accent1"/>
+                </a:solidFill>
+              </a14:hiddenFill>
+            </a:ext>
+            <a:ext uri="{91240B29-F687-4F45-9708-019B960494DF}">
+              <a14:hiddenLine xmlns:a14="http://schemas.microsoft.com/office/drawing/2010/main" w="9525">
+                <a:solidFill>
+                  <a:schemeClr val="tx1"/>
+                </a:solidFill>
+                <a:miter lim="800000"/>
+                <a:headEnd/>
+                <a:tailEnd/>
+              </a14:hiddenLine>
+            </a:ext>
+            <a:ext uri="{AF507438-7753-43E0-B8FC-AC1667EBCBE1}">
+              <a14:hiddenEffects xmlns:a14="http://schemas.microsoft.com/office/drawing/2010/main">
+                <a:effectLst>
+                  <a:outerShdw dist="35921" dir="2700000" algn="ctr" rotWithShape="0">
+                    <a:schemeClr val="bg2"/>
+                  </a:outerShdw>
+                </a:effectLst>
+              </a14:hiddenEffects>
+            </a:ext>
+          </a:extLst>
+        </p:spPr>
+        <p:txBody>
+          <a:bodyPr vert="horz" wrap="none" lIns="91440" tIns="45720" rIns="91440" bIns="45720" numCol="1" anchor="ctr" anchorCtr="0" compatLnSpc="1">
+            <a:prstTxWarp prst="textNoShape">
+              <a:avLst/>
+            </a:prstTxWarp>
+            <a:spAutoFit/>
+          </a:bodyPr>
+          <a:lstStyle/>
+          <a:p>
+            <a:endParaRPr lang="zh-CN" altLang="en-US"/>
+          </a:p>
+        </p:txBody>
+      </p:sp>
+      <p:pic>
+        <p:nvPicPr>
+          <p:cNvPr id="11" name="图片 10"/>
+          <p:cNvPicPr>
+            <a:picLocks noChangeAspect="1"/>
+          </p:cNvPicPr>
+          <p:nvPr/>
+        </p:nvPicPr>
+        <p:blipFill>
+          <a:blip r:embed="rId4"/>
+          <a:stretch>
+            <a:fillRect/>
+          </a:stretch>
+        </p:blipFill>
+        <p:spPr>
+          <a:xfrm>
+            <a:off x="6155552" y="1894168"/>
+            <a:ext cx="5639400" cy="3566757"/>
+          </a:xfrm>
+          <a:prstGeom prst="rect">
+            <a:avLst/>
+          </a:prstGeom>
+        </p:spPr>
+      </p:pic>
+      <p:sp>
+        <p:nvSpPr>
+          <p:cNvPr id="21" name="文本框 20"/>
+          <p:cNvSpPr txBox="1"/>
+          <p:nvPr/>
+        </p:nvSpPr>
+        <p:spPr>
+          <a:xfrm>
+            <a:off x="8466194" y="5532056"/>
+            <a:ext cx="2078343" cy="646331"/>
+          </a:xfrm>
+          <a:prstGeom prst="rect">
+            <a:avLst/>
+          </a:prstGeom>
+          <a:noFill/>
+        </p:spPr>
+        <p:txBody>
+          <a:bodyPr wrap="square" rtlCol="0">
+            <a:spAutoFit/>
+          </a:bodyPr>
+          <a:lstStyle/>
+          <a:p>
+            <a:r>
+              <a:rPr lang="zh-CN" altLang="en-US" dirty="0" smtClean="0">
+                <a:latin typeface="黑体" panose="02010609060101010101" pitchFamily="49" charset="-122"/>
+                <a:ea typeface="黑体" panose="02010609060101010101" pitchFamily="49" charset="-122"/>
+              </a:rPr>
+              <a:t>基于平行坐标的产品综合评估展示</a:t>
+            </a:r>
+            <a:endParaRPr lang="zh-CN" altLang="en-US" dirty="0">
+              <a:latin typeface="黑体" panose="02010609060101010101" pitchFamily="49" charset="-122"/>
+              <a:ea typeface="黑体" panose="02010609060101010101" pitchFamily="49" charset="-122"/>
+            </a:endParaRPr>
+          </a:p>
+        </p:txBody>
+      </p:sp>
+    </p:spTree>
+    <p:extLst>
+      <p:ext uri="{BB962C8B-B14F-4D97-AF65-F5344CB8AC3E}">
+        <p14:creationId xmlns:p14="http://schemas.microsoft.com/office/powerpoint/2010/main" val="4150073627"/>
+      </p:ext>
+    </p:extLst>
+  </p:cSld>
+  <p:clrMapOvr>
+    <a:masterClrMapping/>
+  </p:clrMapOvr>
+  <p:transition spd="slow">
+    <p:push dir="u"/>
+  </p:transition>
+  <p:timing>
+    <p:tnLst>
+      <p:par>
+        <p:cTn id="1" dur="indefinite" restart="never" nodeType="tmRoot"/>
+      </p:par>
+    </p:tnLst>
+  </p:timing>
+</p:sld>
+</file>
+
+<file path=ppt/slides/slide21.xml><?xml version="1.0" encoding="utf-8"?>
+<p:sld xmlns:a="http://schemas.openxmlformats.org/drawingml/2006/main" xmlns:r="http://schemas.openxmlformats.org/officeDocument/2006/relationships" xmlns:p="http://schemas.openxmlformats.org/presentationml/2006/main">
+  <p:cSld>
     <p:bg>
       <p:bgPr>
         <a:solidFill>
@@ -38468,7 +39370,7 @@
 </p:sld>
 </file>
 
-<file path=ppt/slides/slide21.xml><?xml version="1.0" encoding="utf-8"?>
+<file path=ppt/slides/slide22.xml><?xml version="1.0" encoding="utf-8"?>
 <p:sld xmlns:a="http://schemas.openxmlformats.org/drawingml/2006/main" xmlns:r="http://schemas.openxmlformats.org/officeDocument/2006/relationships" xmlns:p="http://schemas.openxmlformats.org/presentationml/2006/main">
   <p:cSld>
     <p:spTree>
@@ -38937,7 +39839,7 @@
 </p:sld>
 </file>
 
-<file path=ppt/slides/slide22.xml><?xml version="1.0" encoding="utf-8"?>
+<file path=ppt/slides/slide23.xml><?xml version="1.0" encoding="utf-8"?>
 <p:sld xmlns:a="http://schemas.openxmlformats.org/drawingml/2006/main" xmlns:r="http://schemas.openxmlformats.org/officeDocument/2006/relationships" xmlns:p="http://schemas.openxmlformats.org/presentationml/2006/main">
   <p:cSld>
     <p:spTree>
